--- a/New Zealand.pptx
+++ b/New Zealand.pptx
@@ -115,6 +115,11 @@
       </a:defRPr>
     </a:lvl9pPr>
   </p:defaultTextStyle>
+  <p:extLst>
+    <p:ext uri="{EFAFB233-063F-42B5-8137-9DF3F51BA10A}">
+      <p15:sldGuideLst xmlns:p15="http://schemas.microsoft.com/office/powerpoint/2012/main"/>
+    </p:ext>
+  </p:extLst>
 </p:presentation>
 </file>
 
@@ -5922,13 +5927,46 @@
         <p:spPr/>
         <p:txBody>
           <a:bodyPr>
-            <a:normAutofit/>
+            <a:normAutofit fontScale="77500" lnSpcReduction="20000"/>
           </a:bodyPr>
           <a:lstStyle/>
           <a:p>
             <a:r>
               <a:rPr lang="en-US" sz="2400" dirty="0" smtClean="0"/>
-              <a:t>A disciplined country consisting of more than 600 islands with very less population.</a:t>
+              <a:t>A disciplined country consisting of more than 600 islands with very </a:t>
+            </a:r>
+            <a:r>
+              <a:rPr lang="en-US" sz="2400" dirty="0" smtClean="0"/>
+              <a:t>less </a:t>
+            </a:r>
+            <a:r>
+              <a:rPr lang="en-US" sz="2400" dirty="0" smtClean="0"/>
+              <a:t>population</a:t>
+            </a:r>
+            <a:r>
+              <a:rPr lang="en-US" sz="2400" dirty="0" smtClean="0"/>
+              <a:t>.</a:t>
+            </a:r>
+          </a:p>
+          <a:p>
+            <a:endParaRPr lang="en-US" sz="2400" dirty="0"/>
+          </a:p>
+          <a:p>
+            <a:r>
+              <a:rPr lang="en-US" sz="2400" dirty="0" smtClean="0"/>
+              <a:t> Presented By : </a:t>
+            </a:r>
+            <a:r>
+              <a:rPr lang="en-US" sz="2400" dirty="0" err="1" smtClean="0"/>
+              <a:t>Aishwarya</a:t>
+            </a:r>
+            <a:r>
+              <a:rPr lang="en-US" sz="2400" dirty="0" smtClean="0"/>
+              <a:t> </a:t>
+            </a:r>
+            <a:r>
+              <a:rPr lang="en-US" sz="2400" smtClean="0"/>
+              <a:t>and Ritwik</a:t>
             </a:r>
             <a:endParaRPr lang="en-IN" sz="2400" dirty="0"/>
           </a:p>
